--- a/Czym jest PHP.pptx
+++ b/Czym jest PHP.pptx
@@ -112,6 +112,11 @@
       </a:defRPr>
     </a:lvl9pPr>
   </p:defaultTextStyle>
+  <p:extLst>
+    <p:ext uri="{EFAFB233-063F-42B5-8137-9DF3F51BA10A}">
+      <p15:sldGuideLst xmlns:p15="http://schemas.microsoft.com/office/powerpoint/2012/main"/>
+    </p:ext>
+  </p:extLst>
 </p:presentation>
 </file>
 
@@ -172,7 +177,7 @@
           <a:noFill/>
           <a:extLst>
             <a:ext uri="{909E8E84-426E-40dd-AFC4-6F175D3DCCD1}">
-              <a14:hiddenFill xmlns:a14="http://schemas.microsoft.com/office/drawing/2010/main" xmlns="">
+              <a14:hiddenFill xmlns="" xmlns:a14="http://schemas.microsoft.com/office/drawing/2010/main">
                 <a:solidFill>
                   <a:srgbClr val="FFFFFF"/>
                 </a:solidFill>
@@ -232,7 +237,7 @@
             </a:ln>
             <a:extLst>
               <a:ext uri="{91240B29-F687-4f45-9708-019B960494DF}">
-                <a14:hiddenLine xmlns:a14="http://schemas.microsoft.com/office/drawing/2010/main" xmlns="" w="9525">
+                <a14:hiddenLine xmlns="" xmlns:a14="http://schemas.microsoft.com/office/drawing/2010/main" w="9525">
                   <a:solidFill>
                     <a:srgbClr val="000000"/>
                   </a:solidFill>
@@ -322,7 +327,7 @@
             </a:ln>
             <a:extLst>
               <a:ext uri="{91240B29-F687-4f45-9708-019B960494DF}">
-                <a14:hiddenLine xmlns:a14="http://schemas.microsoft.com/office/drawing/2010/main" xmlns="" w="9525">
+                <a14:hiddenLine xmlns="" xmlns:a14="http://schemas.microsoft.com/office/drawing/2010/main" w="9525">
                   <a:solidFill>
                     <a:srgbClr val="000000"/>
                   </a:solidFill>
@@ -412,7 +417,7 @@
             </a:ln>
             <a:extLst>
               <a:ext uri="{91240B29-F687-4f45-9708-019B960494DF}">
-                <a14:hiddenLine xmlns:a14="http://schemas.microsoft.com/office/drawing/2010/main" xmlns="" w="9525">
+                <a14:hiddenLine xmlns="" xmlns:a14="http://schemas.microsoft.com/office/drawing/2010/main" w="9525">
                   <a:solidFill>
                     <a:srgbClr val="000000"/>
                   </a:solidFill>
@@ -446,7 +451,7 @@
             </a:ln>
             <a:extLst>
               <a:ext uri="{91240B29-F687-4f45-9708-019B960494DF}">
-                <a14:hiddenLine xmlns:a14="http://schemas.microsoft.com/office/drawing/2010/main" xmlns="" w="9525">
+                <a14:hiddenLine xmlns="" xmlns:a14="http://schemas.microsoft.com/office/drawing/2010/main" w="9525">
                   <a:solidFill>
                     <a:srgbClr val="000000"/>
                   </a:solidFill>
@@ -536,7 +541,7 @@
             </a:ln>
             <a:extLst>
               <a:ext uri="{91240B29-F687-4f45-9708-019B960494DF}">
-                <a14:hiddenLine xmlns:a14="http://schemas.microsoft.com/office/drawing/2010/main" xmlns="" w="9525">
+                <a14:hiddenLine xmlns="" xmlns:a14="http://schemas.microsoft.com/office/drawing/2010/main" w="9525">
                   <a:solidFill>
                     <a:srgbClr val="000000"/>
                   </a:solidFill>
@@ -598,7 +603,7 @@
             </a:ln>
             <a:extLst>
               <a:ext uri="{91240B29-F687-4f45-9708-019B960494DF}">
-                <a14:hiddenLine xmlns:a14="http://schemas.microsoft.com/office/drawing/2010/main" xmlns="" w="9525">
+                <a14:hiddenLine xmlns="" xmlns:a14="http://schemas.microsoft.com/office/drawing/2010/main" w="9525">
                   <a:solidFill>
                     <a:srgbClr val="000000"/>
                   </a:solidFill>
@@ -660,7 +665,7 @@
             </a:ln>
             <a:extLst>
               <a:ext uri="{91240B29-F687-4f45-9708-019B960494DF}">
-                <a14:hiddenLine xmlns:a14="http://schemas.microsoft.com/office/drawing/2010/main" xmlns="" w="9525">
+                <a14:hiddenLine xmlns="" xmlns:a14="http://schemas.microsoft.com/office/drawing/2010/main" w="9525">
                   <a:solidFill>
                     <a:srgbClr val="000000"/>
                   </a:solidFill>
@@ -750,7 +755,7 @@
             </a:ln>
             <a:extLst>
               <a:ext uri="{91240B29-F687-4f45-9708-019B960494DF}">
-                <a14:hiddenLine xmlns:a14="http://schemas.microsoft.com/office/drawing/2010/main" xmlns="" w="9525">
+                <a14:hiddenLine xmlns="" xmlns:a14="http://schemas.microsoft.com/office/drawing/2010/main" w="9525">
                   <a:solidFill>
                     <a:srgbClr val="000000"/>
                   </a:solidFill>
@@ -812,7 +817,7 @@
             </a:ln>
             <a:extLst>
               <a:ext uri="{91240B29-F687-4f45-9708-019B960494DF}">
-                <a14:hiddenLine xmlns:a14="http://schemas.microsoft.com/office/drawing/2010/main" xmlns="" w="9525">
+                <a14:hiddenLine xmlns="" xmlns:a14="http://schemas.microsoft.com/office/drawing/2010/main" w="9525">
                   <a:solidFill>
                     <a:srgbClr val="000000"/>
                   </a:solidFill>
@@ -874,7 +879,7 @@
             </a:ln>
             <a:extLst>
               <a:ext uri="{91240B29-F687-4f45-9708-019B960494DF}">
-                <a14:hiddenLine xmlns:a14="http://schemas.microsoft.com/office/drawing/2010/main" xmlns="" w="9525">
+                <a14:hiddenLine xmlns="" xmlns:a14="http://schemas.microsoft.com/office/drawing/2010/main" w="9525">
                   <a:solidFill>
                     <a:srgbClr val="000000"/>
                   </a:solidFill>
@@ -964,7 +969,7 @@
             </a:ln>
             <a:extLst>
               <a:ext uri="{91240B29-F687-4f45-9708-019B960494DF}">
-                <a14:hiddenLine xmlns:a14="http://schemas.microsoft.com/office/drawing/2010/main" xmlns="" w="9525">
+                <a14:hiddenLine xmlns="" xmlns:a14="http://schemas.microsoft.com/office/drawing/2010/main" w="9525">
                   <a:solidFill>
                     <a:srgbClr val="000000"/>
                   </a:solidFill>
@@ -1054,7 +1059,7 @@
             </a:ln>
             <a:extLst>
               <a:ext uri="{91240B29-F687-4f45-9708-019B960494DF}">
-                <a14:hiddenLine xmlns:a14="http://schemas.microsoft.com/office/drawing/2010/main" xmlns="" w="9525">
+                <a14:hiddenLine xmlns="" xmlns:a14="http://schemas.microsoft.com/office/drawing/2010/main" w="9525">
                   <a:solidFill>
                     <a:srgbClr val="000000"/>
                   </a:solidFill>
@@ -1116,7 +1121,7 @@
             </a:ln>
             <a:extLst>
               <a:ext uri="{91240B29-F687-4f45-9708-019B960494DF}">
-                <a14:hiddenLine xmlns:a14="http://schemas.microsoft.com/office/drawing/2010/main" xmlns="" w="9525">
+                <a14:hiddenLine xmlns="" xmlns:a14="http://schemas.microsoft.com/office/drawing/2010/main" w="9525">
                   <a:solidFill>
                     <a:srgbClr val="000000"/>
                   </a:solidFill>
@@ -1226,7 +1231,7 @@
             </a:ln>
             <a:extLst>
               <a:ext uri="{91240B29-F687-4f45-9708-019B960494DF}">
-                <a14:hiddenLine xmlns:a14="http://schemas.microsoft.com/office/drawing/2010/main" xmlns="" w="9525">
+                <a14:hiddenLine xmlns="" xmlns:a14="http://schemas.microsoft.com/office/drawing/2010/main" w="9525">
                   <a:solidFill>
                     <a:srgbClr val="000000"/>
                   </a:solidFill>
@@ -1288,7 +1293,7 @@
             </a:ln>
             <a:extLst>
               <a:ext uri="{91240B29-F687-4f45-9708-019B960494DF}">
-                <a14:hiddenLine xmlns:a14="http://schemas.microsoft.com/office/drawing/2010/main" xmlns="" w="9525">
+                <a14:hiddenLine xmlns="" xmlns:a14="http://schemas.microsoft.com/office/drawing/2010/main" w="9525">
                   <a:solidFill>
                     <a:srgbClr val="000000"/>
                   </a:solidFill>
@@ -1378,7 +1383,7 @@
             </a:ln>
             <a:extLst>
               <a:ext uri="{91240B29-F687-4f45-9708-019B960494DF}">
-                <a14:hiddenLine xmlns:a14="http://schemas.microsoft.com/office/drawing/2010/main" xmlns="" w="9525">
+                <a14:hiddenLine xmlns="" xmlns:a14="http://schemas.microsoft.com/office/drawing/2010/main" w="9525">
                   <a:solidFill>
                     <a:srgbClr val="000000"/>
                   </a:solidFill>
@@ -1468,7 +1473,7 @@
             </a:ln>
             <a:extLst>
               <a:ext uri="{91240B29-F687-4f45-9708-019B960494DF}">
-                <a14:hiddenLine xmlns:a14="http://schemas.microsoft.com/office/drawing/2010/main" xmlns="" w="9525">
+                <a14:hiddenLine xmlns="" xmlns:a14="http://schemas.microsoft.com/office/drawing/2010/main" w="9525">
                   <a:solidFill>
                     <a:srgbClr val="000000"/>
                   </a:solidFill>
@@ -1530,7 +1535,7 @@
             </a:ln>
             <a:extLst>
               <a:ext uri="{91240B29-F687-4f45-9708-019B960494DF}">
-                <a14:hiddenLine xmlns:a14="http://schemas.microsoft.com/office/drawing/2010/main" xmlns="" w="9525">
+                <a14:hiddenLine xmlns="" xmlns:a14="http://schemas.microsoft.com/office/drawing/2010/main" w="9525">
                   <a:solidFill>
                     <a:srgbClr val="000000"/>
                   </a:solidFill>
@@ -1620,7 +1625,7 @@
             </a:ln>
             <a:extLst>
               <a:ext uri="{91240B29-F687-4f45-9708-019B960494DF}">
-                <a14:hiddenLine xmlns:a14="http://schemas.microsoft.com/office/drawing/2010/main" xmlns="" w="9525">
+                <a14:hiddenLine xmlns="" xmlns:a14="http://schemas.microsoft.com/office/drawing/2010/main" w="9525">
                   <a:solidFill>
                     <a:srgbClr val="000000"/>
                   </a:solidFill>
@@ -1710,7 +1715,7 @@
             </a:ln>
             <a:extLst>
               <a:ext uri="{91240B29-F687-4f45-9708-019B960494DF}">
-                <a14:hiddenLine xmlns:a14="http://schemas.microsoft.com/office/drawing/2010/main" xmlns="" w="9525">
+                <a14:hiddenLine xmlns="" xmlns:a14="http://schemas.microsoft.com/office/drawing/2010/main" w="9525">
                   <a:solidFill>
                     <a:srgbClr val="000000"/>
                   </a:solidFill>
@@ -1766,7 +1771,7 @@
             </a:ln>
             <a:extLst>
               <a:ext uri="{91240B29-F687-4f45-9708-019B960494DF}">
-                <a14:hiddenLine xmlns:a14="http://schemas.microsoft.com/office/drawing/2010/main" xmlns="" w="9525">
+                <a14:hiddenLine xmlns="" xmlns:a14="http://schemas.microsoft.com/office/drawing/2010/main" w="9525">
                   <a:solidFill>
                     <a:srgbClr val="000000"/>
                   </a:solidFill>
@@ -1856,7 +1861,7 @@
             </a:ln>
             <a:extLst>
               <a:ext uri="{91240B29-F687-4f45-9708-019B960494DF}">
-                <a14:hiddenLine xmlns:a14="http://schemas.microsoft.com/office/drawing/2010/main" xmlns="" w="9525">
+                <a14:hiddenLine xmlns="" xmlns:a14="http://schemas.microsoft.com/office/drawing/2010/main" w="9525">
                   <a:solidFill>
                     <a:srgbClr val="000000"/>
                   </a:solidFill>
@@ -1912,7 +1917,7 @@
             </a:ln>
             <a:extLst>
               <a:ext uri="{91240B29-F687-4f45-9708-019B960494DF}">
-                <a14:hiddenLine xmlns:a14="http://schemas.microsoft.com/office/drawing/2010/main" xmlns="" w="9525">
+                <a14:hiddenLine xmlns="" xmlns:a14="http://schemas.microsoft.com/office/drawing/2010/main" w="9525">
                   <a:solidFill>
                     <a:srgbClr val="000000"/>
                   </a:solidFill>
@@ -2002,7 +2007,7 @@
             </a:ln>
             <a:extLst>
               <a:ext uri="{91240B29-F687-4f45-9708-019B960494DF}">
-                <a14:hiddenLine xmlns:a14="http://schemas.microsoft.com/office/drawing/2010/main" xmlns="" w="9525">
+                <a14:hiddenLine xmlns="" xmlns:a14="http://schemas.microsoft.com/office/drawing/2010/main" w="9525">
                   <a:solidFill>
                     <a:srgbClr val="000000"/>
                   </a:solidFill>
@@ -2070,7 +2075,7 @@
             </a:ln>
             <a:extLst>
               <a:ext uri="{91240B29-F687-4f45-9708-019B960494DF}">
-                <a14:hiddenLine xmlns:a14="http://schemas.microsoft.com/office/drawing/2010/main" xmlns="" w="9525">
+                <a14:hiddenLine xmlns="" xmlns:a14="http://schemas.microsoft.com/office/drawing/2010/main" w="9525">
                   <a:solidFill>
                     <a:srgbClr val="000000"/>
                   </a:solidFill>
@@ -2160,7 +2165,7 @@
             </a:ln>
             <a:extLst>
               <a:ext uri="{91240B29-F687-4f45-9708-019B960494DF}">
-                <a14:hiddenLine xmlns:a14="http://schemas.microsoft.com/office/drawing/2010/main" xmlns="" w="9525">
+                <a14:hiddenLine xmlns="" xmlns:a14="http://schemas.microsoft.com/office/drawing/2010/main" w="9525">
                   <a:solidFill>
                     <a:srgbClr val="000000"/>
                   </a:solidFill>
@@ -2228,7 +2233,7 @@
             </a:ln>
             <a:extLst>
               <a:ext uri="{91240B29-F687-4f45-9708-019B960494DF}">
-                <a14:hiddenLine xmlns:a14="http://schemas.microsoft.com/office/drawing/2010/main" xmlns="" w="9525">
+                <a14:hiddenLine xmlns="" xmlns:a14="http://schemas.microsoft.com/office/drawing/2010/main" w="9525">
                   <a:solidFill>
                     <a:srgbClr val="000000"/>
                   </a:solidFill>
@@ -2318,7 +2323,7 @@
             </a:ln>
             <a:extLst>
               <a:ext uri="{91240B29-F687-4f45-9708-019B960494DF}">
-                <a14:hiddenLine xmlns:a14="http://schemas.microsoft.com/office/drawing/2010/main" xmlns="" w="9525">
+                <a14:hiddenLine xmlns="" xmlns:a14="http://schemas.microsoft.com/office/drawing/2010/main" w="9525">
                   <a:solidFill>
                     <a:srgbClr val="000000"/>
                   </a:solidFill>
@@ -2352,7 +2357,7 @@
             </a:ln>
             <a:extLst>
               <a:ext uri="{91240B29-F687-4f45-9708-019B960494DF}">
-                <a14:hiddenLine xmlns:a14="http://schemas.microsoft.com/office/drawing/2010/main" xmlns="" w="9525">
+                <a14:hiddenLine xmlns="" xmlns:a14="http://schemas.microsoft.com/office/drawing/2010/main" w="9525">
                   <a:solidFill>
                     <a:srgbClr val="000000"/>
                   </a:solidFill>
@@ -2442,7 +2447,7 @@
             </a:ln>
             <a:extLst>
               <a:ext uri="{91240B29-F687-4f45-9708-019B960494DF}">
-                <a14:hiddenLine xmlns:a14="http://schemas.microsoft.com/office/drawing/2010/main" xmlns="" w="9525">
+                <a14:hiddenLine xmlns="" xmlns:a14="http://schemas.microsoft.com/office/drawing/2010/main" w="9525">
                   <a:solidFill>
                     <a:srgbClr val="000000"/>
                   </a:solidFill>
@@ -2504,7 +2509,7 @@
             </a:ln>
             <a:extLst>
               <a:ext uri="{91240B29-F687-4f45-9708-019B960494DF}">
-                <a14:hiddenLine xmlns:a14="http://schemas.microsoft.com/office/drawing/2010/main" xmlns="" w="9525">
+                <a14:hiddenLine xmlns="" xmlns:a14="http://schemas.microsoft.com/office/drawing/2010/main" w="9525">
                   <a:solidFill>
                     <a:srgbClr val="000000"/>
                   </a:solidFill>
@@ -2566,7 +2571,7 @@
             </a:ln>
             <a:extLst>
               <a:ext uri="{91240B29-F687-4f45-9708-019B960494DF}">
-                <a14:hiddenLine xmlns:a14="http://schemas.microsoft.com/office/drawing/2010/main" xmlns="" w="9525">
+                <a14:hiddenLine xmlns="" xmlns:a14="http://schemas.microsoft.com/office/drawing/2010/main" w="9525">
                   <a:solidFill>
                     <a:srgbClr val="000000"/>
                   </a:solidFill>
@@ -2656,7 +2661,7 @@
             </a:ln>
             <a:extLst>
               <a:ext uri="{91240B29-F687-4f45-9708-019B960494DF}">
-                <a14:hiddenLine xmlns:a14="http://schemas.microsoft.com/office/drawing/2010/main" xmlns="" w="9525">
+                <a14:hiddenLine xmlns="" xmlns:a14="http://schemas.microsoft.com/office/drawing/2010/main" w="9525">
                   <a:solidFill>
                     <a:srgbClr val="000000"/>
                   </a:solidFill>
@@ -2724,7 +2729,7 @@
             </a:ln>
             <a:extLst>
               <a:ext uri="{91240B29-F687-4f45-9708-019B960494DF}">
-                <a14:hiddenLine xmlns:a14="http://schemas.microsoft.com/office/drawing/2010/main" xmlns="" w="9525">
+                <a14:hiddenLine xmlns="" xmlns:a14="http://schemas.microsoft.com/office/drawing/2010/main" w="9525">
                   <a:solidFill>
                     <a:srgbClr val="000000"/>
                   </a:solidFill>
@@ -2786,7 +2791,7 @@
             </a:ln>
             <a:extLst>
               <a:ext uri="{91240B29-F687-4f45-9708-019B960494DF}">
-                <a14:hiddenLine xmlns:a14="http://schemas.microsoft.com/office/drawing/2010/main" xmlns="" w="9525">
+                <a14:hiddenLine xmlns="" xmlns:a14="http://schemas.microsoft.com/office/drawing/2010/main" w="9525">
                   <a:solidFill>
                     <a:srgbClr val="000000"/>
                   </a:solidFill>
@@ -2876,7 +2881,7 @@
             </a:ln>
             <a:extLst>
               <a:ext uri="{91240B29-F687-4f45-9708-019B960494DF}">
-                <a14:hiddenLine xmlns:a14="http://schemas.microsoft.com/office/drawing/2010/main" xmlns="" w="9525">
+                <a14:hiddenLine xmlns="" xmlns:a14="http://schemas.microsoft.com/office/drawing/2010/main" w="9525">
                   <a:solidFill>
                     <a:srgbClr val="000000"/>
                   </a:solidFill>
@@ -2938,7 +2943,7 @@
             </a:ln>
             <a:extLst>
               <a:ext uri="{91240B29-F687-4f45-9708-019B960494DF}">
-                <a14:hiddenLine xmlns:a14="http://schemas.microsoft.com/office/drawing/2010/main" xmlns="" w="9525">
+                <a14:hiddenLine xmlns="" xmlns:a14="http://schemas.microsoft.com/office/drawing/2010/main" w="9525">
                   <a:solidFill>
                     <a:srgbClr val="000000"/>
                   </a:solidFill>
@@ -3028,7 +3033,7 @@
             </a:ln>
             <a:extLst>
               <a:ext uri="{91240B29-F687-4f45-9708-019B960494DF}">
-                <a14:hiddenLine xmlns:a14="http://schemas.microsoft.com/office/drawing/2010/main" xmlns="" w="9525">
+                <a14:hiddenLine xmlns="" xmlns:a14="http://schemas.microsoft.com/office/drawing/2010/main" w="9525">
                   <a:solidFill>
                     <a:srgbClr val="000000"/>
                   </a:solidFill>
@@ -3090,7 +3095,7 @@
             </a:ln>
             <a:extLst>
               <a:ext uri="{91240B29-F687-4f45-9708-019B960494DF}">
-                <a14:hiddenLine xmlns:a14="http://schemas.microsoft.com/office/drawing/2010/main" xmlns="" w="9525">
+                <a14:hiddenLine xmlns="" xmlns:a14="http://schemas.microsoft.com/office/drawing/2010/main" w="9525">
                   <a:solidFill>
                     <a:srgbClr val="000000"/>
                   </a:solidFill>
@@ -3180,7 +3185,7 @@
             </a:ln>
             <a:extLst>
               <a:ext uri="{91240B29-F687-4f45-9708-019B960494DF}">
-                <a14:hiddenLine xmlns:a14="http://schemas.microsoft.com/office/drawing/2010/main" xmlns="" w="9525">
+                <a14:hiddenLine xmlns="" xmlns:a14="http://schemas.microsoft.com/office/drawing/2010/main" w="9525">
                   <a:solidFill>
                     <a:srgbClr val="000000"/>
                   </a:solidFill>
@@ -3214,7 +3219,7 @@
             </a:ln>
             <a:extLst>
               <a:ext uri="{91240B29-F687-4f45-9708-019B960494DF}">
-                <a14:hiddenLine xmlns:a14="http://schemas.microsoft.com/office/drawing/2010/main" xmlns="" w="9525">
+                <a14:hiddenLine xmlns="" xmlns:a14="http://schemas.microsoft.com/office/drawing/2010/main" w="9525">
                   <a:solidFill>
                     <a:srgbClr val="000000"/>
                   </a:solidFill>
@@ -3279,7 +3284,7 @@
             </a:ln>
             <a:extLst>
               <a:ext uri="{91240B29-F687-4f45-9708-019B960494DF}">
-                <a14:hiddenLine xmlns:a14="http://schemas.microsoft.com/office/drawing/2010/main" xmlns="" w="9525">
+                <a14:hiddenLine xmlns="" xmlns:a14="http://schemas.microsoft.com/office/drawing/2010/main" w="9525">
                   <a:solidFill>
                     <a:srgbClr val="000000"/>
                   </a:solidFill>
@@ -3369,7 +3374,7 @@
             </a:ln>
             <a:extLst>
               <a:ext uri="{91240B29-F687-4f45-9708-019B960494DF}">
-                <a14:hiddenLine xmlns:a14="http://schemas.microsoft.com/office/drawing/2010/main" xmlns="" w="9525">
+                <a14:hiddenLine xmlns="" xmlns:a14="http://schemas.microsoft.com/office/drawing/2010/main" w="9525">
                   <a:solidFill>
                     <a:srgbClr val="000000"/>
                   </a:solidFill>
@@ -3431,7 +3436,7 @@
             </a:ln>
             <a:extLst>
               <a:ext uri="{91240B29-F687-4f45-9708-019B960494DF}">
-                <a14:hiddenLine xmlns:a14="http://schemas.microsoft.com/office/drawing/2010/main" xmlns="" w="9525">
+                <a14:hiddenLine xmlns="" xmlns:a14="http://schemas.microsoft.com/office/drawing/2010/main" w="9525">
                   <a:solidFill>
                     <a:srgbClr val="000000"/>
                   </a:solidFill>
@@ -3521,7 +3526,7 @@
             </a:ln>
             <a:extLst>
               <a:ext uri="{91240B29-F687-4f45-9708-019B960494DF}">
-                <a14:hiddenLine xmlns:a14="http://schemas.microsoft.com/office/drawing/2010/main" xmlns="" w="9525">
+                <a14:hiddenLine xmlns="" xmlns:a14="http://schemas.microsoft.com/office/drawing/2010/main" w="9525">
                   <a:solidFill>
                     <a:srgbClr val="000000"/>
                   </a:solidFill>
@@ -3611,7 +3616,7 @@
             </a:ln>
             <a:extLst>
               <a:ext uri="{91240B29-F687-4f45-9708-019B960494DF}">
-                <a14:hiddenLine xmlns:a14="http://schemas.microsoft.com/office/drawing/2010/main" xmlns="" w="9525">
+                <a14:hiddenLine xmlns="" xmlns:a14="http://schemas.microsoft.com/office/drawing/2010/main" w="9525">
                   <a:solidFill>
                     <a:srgbClr val="000000"/>
                   </a:solidFill>
@@ -3676,7 +3681,7 @@
             </a:ln>
             <a:extLst>
               <a:ext uri="{91240B29-F687-4f45-9708-019B960494DF}">
-                <a14:hiddenLine xmlns:a14="http://schemas.microsoft.com/office/drawing/2010/main" xmlns="" w="9525">
+                <a14:hiddenLine xmlns="" xmlns:a14="http://schemas.microsoft.com/office/drawing/2010/main" w="9525">
                   <a:solidFill>
                     <a:srgbClr val="000000"/>
                   </a:solidFill>
@@ -3738,7 +3743,7 @@
             </a:ln>
             <a:extLst>
               <a:ext uri="{91240B29-F687-4f45-9708-019B960494DF}">
-                <a14:hiddenLine xmlns:a14="http://schemas.microsoft.com/office/drawing/2010/main" xmlns="" w="9525">
+                <a14:hiddenLine xmlns="" xmlns:a14="http://schemas.microsoft.com/office/drawing/2010/main" w="9525">
                   <a:solidFill>
                     <a:srgbClr val="000000"/>
                   </a:solidFill>
@@ -3828,7 +3833,7 @@
             </a:ln>
             <a:extLst>
               <a:ext uri="{91240B29-F687-4f45-9708-019B960494DF}">
-                <a14:hiddenLine xmlns:a14="http://schemas.microsoft.com/office/drawing/2010/main" xmlns="" w="9525">
+                <a14:hiddenLine xmlns="" xmlns:a14="http://schemas.microsoft.com/office/drawing/2010/main" w="9525">
                   <a:solidFill>
                     <a:srgbClr val="000000"/>
                   </a:solidFill>
@@ -3918,7 +3923,7 @@
             </a:ln>
             <a:extLst>
               <a:ext uri="{91240B29-F687-4f45-9708-019B960494DF}">
-                <a14:hiddenLine xmlns:a14="http://schemas.microsoft.com/office/drawing/2010/main" xmlns="" w="9525">
+                <a14:hiddenLine xmlns="" xmlns:a14="http://schemas.microsoft.com/office/drawing/2010/main" w="9525">
                   <a:solidFill>
                     <a:srgbClr val="000000"/>
                   </a:solidFill>
@@ -3980,7 +3985,7 @@
             </a:ln>
             <a:extLst>
               <a:ext uri="{91240B29-F687-4f45-9708-019B960494DF}">
-                <a14:hiddenLine xmlns:a14="http://schemas.microsoft.com/office/drawing/2010/main" xmlns="" w="9525">
+                <a14:hiddenLine xmlns="" xmlns:a14="http://schemas.microsoft.com/office/drawing/2010/main" w="9525">
                   <a:solidFill>
                     <a:srgbClr val="000000"/>
                   </a:solidFill>
@@ -4100,7 +4105,7 @@
             </a:ln>
             <a:extLst>
               <a:ext uri="{91240B29-F687-4f45-9708-019B960494DF}">
-                <a14:hiddenLine xmlns:a14="http://schemas.microsoft.com/office/drawing/2010/main" xmlns="" w="9525">
+                <a14:hiddenLine xmlns="" xmlns:a14="http://schemas.microsoft.com/office/drawing/2010/main" w="9525">
                   <a:solidFill>
                     <a:srgbClr val="000000"/>
                   </a:solidFill>
@@ -4168,7 +4173,7 @@
             </a:ln>
             <a:extLst>
               <a:ext uri="{91240B29-F687-4f45-9708-019B960494DF}">
-                <a14:hiddenLine xmlns:a14="http://schemas.microsoft.com/office/drawing/2010/main" xmlns="" w="9525">
+                <a14:hiddenLine xmlns="" xmlns:a14="http://schemas.microsoft.com/office/drawing/2010/main" w="9525">
                   <a:solidFill>
                     <a:srgbClr val="000000"/>
                   </a:solidFill>
@@ -4258,7 +4263,7 @@
             </a:ln>
             <a:extLst>
               <a:ext uri="{91240B29-F687-4f45-9708-019B960494DF}">
-                <a14:hiddenLine xmlns:a14="http://schemas.microsoft.com/office/drawing/2010/main" xmlns="" w="9525">
+                <a14:hiddenLine xmlns="" xmlns:a14="http://schemas.microsoft.com/office/drawing/2010/main" w="9525">
                   <a:solidFill>
                     <a:srgbClr val="000000"/>
                   </a:solidFill>
@@ -4398,7 +4403,7 @@
           <a:p>
             <a:fld id="{48A87A34-81AB-432B-8DAE-1953F412C126}" type="datetimeFigureOut">
               <a:rPr lang="en-US" dirty="0"/>
-              <a:t>10/11/2022</a:t>
+              <a:t>10/12/2022</a:t>
             </a:fld>
             <a:endParaRPr lang="en-US" dirty="0"/>
           </a:p>
@@ -4660,7 +4665,7 @@
           <a:p>
             <a:fld id="{48A87A34-81AB-432B-8DAE-1953F412C126}" type="datetimeFigureOut">
               <a:rPr lang="en-US" dirty="0"/>
-              <a:t>10/11/2022</a:t>
+              <a:t>10/12/2022</a:t>
             </a:fld>
             <a:endParaRPr lang="en-US" dirty="0"/>
           </a:p>
@@ -4851,7 +4856,7 @@
           <a:p>
             <a:fld id="{48A87A34-81AB-432B-8DAE-1953F412C126}" type="datetimeFigureOut">
               <a:rPr lang="en-US" dirty="0"/>
-              <a:t>10/11/2022</a:t>
+              <a:t>10/12/2022</a:t>
             </a:fld>
             <a:endParaRPr lang="en-US" dirty="0"/>
           </a:p>
@@ -5109,7 +5114,7 @@
           <a:p>
             <a:fld id="{48A87A34-81AB-432B-8DAE-1953F412C126}" type="datetimeFigureOut">
               <a:rPr lang="en-US" dirty="0"/>
-              <a:t>10/11/2022</a:t>
+              <a:t>10/12/2022</a:t>
             </a:fld>
             <a:endParaRPr lang="en-US" dirty="0"/>
           </a:p>
@@ -5538,7 +5543,7 @@
           <a:p>
             <a:fld id="{48A87A34-81AB-432B-8DAE-1953F412C126}" type="datetimeFigureOut">
               <a:rPr lang="en-US" dirty="0"/>
-              <a:t>10/11/2022</a:t>
+              <a:t>10/12/2022</a:t>
             </a:fld>
             <a:endParaRPr lang="en-US" dirty="0"/>
           </a:p>
@@ -6079,7 +6084,7 @@
           <a:p>
             <a:fld id="{48A87A34-81AB-432B-8DAE-1953F412C126}" type="datetimeFigureOut">
               <a:rPr lang="en-US" dirty="0"/>
-              <a:t>10/11/2022</a:t>
+              <a:t>10/12/2022</a:t>
             </a:fld>
             <a:endParaRPr lang="en-US" dirty="0"/>
           </a:p>
@@ -6794,7 +6799,7 @@
           <a:p>
             <a:fld id="{48A87A34-81AB-432B-8DAE-1953F412C126}" type="datetimeFigureOut">
               <a:rPr lang="en-US" dirty="0"/>
-              <a:t>10/11/2022</a:t>
+              <a:t>10/12/2022</a:t>
             </a:fld>
             <a:endParaRPr lang="en-US" dirty="0"/>
           </a:p>
@@ -6959,7 +6964,7 @@
           <a:p>
             <a:fld id="{48A87A34-81AB-432B-8DAE-1953F412C126}" type="datetimeFigureOut">
               <a:rPr lang="en-US" dirty="0"/>
-              <a:t>10/11/2022</a:t>
+              <a:t>10/12/2022</a:t>
             </a:fld>
             <a:endParaRPr lang="en-US" dirty="0"/>
           </a:p>
@@ -7134,7 +7139,7 @@
           <a:p>
             <a:fld id="{48A87A34-81AB-432B-8DAE-1953F412C126}" type="datetimeFigureOut">
               <a:rPr lang="en-US" dirty="0"/>
-              <a:t>10/11/2022</a:t>
+              <a:t>10/12/2022</a:t>
             </a:fld>
             <a:endParaRPr lang="en-US" dirty="0"/>
           </a:p>
@@ -7299,7 +7304,7 @@
           <a:p>
             <a:fld id="{48A87A34-81AB-432B-8DAE-1953F412C126}" type="datetimeFigureOut">
               <a:rPr lang="en-US" dirty="0"/>
-              <a:t>10/11/2022</a:t>
+              <a:t>10/12/2022</a:t>
             </a:fld>
             <a:endParaRPr lang="en-US" dirty="0"/>
           </a:p>
@@ -7544,7 +7549,7 @@
           <a:p>
             <a:fld id="{48A87A34-81AB-432B-8DAE-1953F412C126}" type="datetimeFigureOut">
               <a:rPr lang="en-US" dirty="0"/>
-              <a:t>10/11/2022</a:t>
+              <a:t>10/12/2022</a:t>
             </a:fld>
             <a:endParaRPr lang="en-US" dirty="0"/>
           </a:p>
@@ -7771,7 +7776,7 @@
           <a:p>
             <a:fld id="{48A87A34-81AB-432B-8DAE-1953F412C126}" type="datetimeFigureOut">
               <a:rPr lang="en-US" dirty="0"/>
-              <a:t>10/11/2022</a:t>
+              <a:t>10/12/2022</a:t>
             </a:fld>
             <a:endParaRPr lang="en-US" dirty="0"/>
           </a:p>
@@ -8147,7 +8152,7 @@
           <a:p>
             <a:fld id="{48A87A34-81AB-432B-8DAE-1953F412C126}" type="datetimeFigureOut">
               <a:rPr lang="en-US" dirty="0"/>
-              <a:t>10/11/2022</a:t>
+              <a:t>10/12/2022</a:t>
             </a:fld>
             <a:endParaRPr lang="en-US" dirty="0"/>
           </a:p>
@@ -8260,7 +8265,7 @@
           <a:p>
             <a:fld id="{48A87A34-81AB-432B-8DAE-1953F412C126}" type="datetimeFigureOut">
               <a:rPr lang="en-US" dirty="0"/>
-              <a:t>10/11/2022</a:t>
+              <a:t>10/12/2022</a:t>
             </a:fld>
             <a:endParaRPr lang="en-US" dirty="0"/>
           </a:p>
@@ -8350,7 +8355,7 @@
           <a:p>
             <a:fld id="{48A87A34-81AB-432B-8DAE-1953F412C126}" type="datetimeFigureOut">
               <a:rPr lang="en-US" dirty="0"/>
-              <a:t>10/11/2022</a:t>
+              <a:t>10/12/2022</a:t>
             </a:fld>
             <a:endParaRPr lang="en-US" dirty="0"/>
           </a:p>
@@ -8594,7 +8599,7 @@
           <a:p>
             <a:fld id="{48A87A34-81AB-432B-8DAE-1953F412C126}" type="datetimeFigureOut">
               <a:rPr lang="en-US" dirty="0"/>
-              <a:t>10/11/2022</a:t>
+              <a:t>10/12/2022</a:t>
             </a:fld>
             <a:endParaRPr lang="en-US" dirty="0"/>
           </a:p>
@@ -8869,7 +8874,7 @@
           <a:p>
             <a:fld id="{48A87A34-81AB-432B-8DAE-1953F412C126}" type="datetimeFigureOut">
               <a:rPr lang="en-US" dirty="0"/>
-              <a:t>10/11/2022</a:t>
+              <a:t>10/12/2022</a:t>
             </a:fld>
             <a:endParaRPr lang="en-US" dirty="0"/>
           </a:p>
@@ -8987,7 +8992,7 @@
           <a:noFill/>
           <a:extLst>
             <a:ext uri="{909E8E84-426E-40dd-AFC4-6F175D3DCCD1}">
-              <a14:hiddenFill xmlns:a14="http://schemas.microsoft.com/office/drawing/2010/main" xmlns="">
+              <a14:hiddenFill xmlns="" xmlns:a14="http://schemas.microsoft.com/office/drawing/2010/main">
                 <a:solidFill>
                   <a:srgbClr val="FFFFFF"/>
                 </a:solidFill>
@@ -9061,7 +9066,7 @@
               </a:ln>
               <a:extLst>
                 <a:ext uri="{91240B29-F687-4f45-9708-019B960494DF}">
-                  <a14:hiddenLine xmlns:a14="http://schemas.microsoft.com/office/drawing/2010/main" xmlns="" w="9525">
+                  <a14:hiddenLine xmlns="" xmlns:a14="http://schemas.microsoft.com/office/drawing/2010/main" w="9525">
                     <a:solidFill>
                       <a:srgbClr val="000000"/>
                     </a:solidFill>
@@ -9151,7 +9156,7 @@
               </a:ln>
               <a:extLst>
                 <a:ext uri="{91240B29-F687-4f45-9708-019B960494DF}">
-                  <a14:hiddenLine xmlns:a14="http://schemas.microsoft.com/office/drawing/2010/main" xmlns="" w="9525">
+                  <a14:hiddenLine xmlns="" xmlns:a14="http://schemas.microsoft.com/office/drawing/2010/main" w="9525">
                     <a:solidFill>
                       <a:srgbClr val="000000"/>
                     </a:solidFill>
@@ -9241,7 +9246,7 @@
               </a:ln>
               <a:extLst>
                 <a:ext uri="{91240B29-F687-4f45-9708-019B960494DF}">
-                  <a14:hiddenLine xmlns:a14="http://schemas.microsoft.com/office/drawing/2010/main" xmlns="" w="9525">
+                  <a14:hiddenLine xmlns="" xmlns:a14="http://schemas.microsoft.com/office/drawing/2010/main" w="9525">
                     <a:solidFill>
                       <a:srgbClr val="000000"/>
                     </a:solidFill>
@@ -9303,7 +9308,7 @@
               </a:ln>
               <a:extLst>
                 <a:ext uri="{91240B29-F687-4f45-9708-019B960494DF}">
-                  <a14:hiddenLine xmlns:a14="http://schemas.microsoft.com/office/drawing/2010/main" xmlns="" w="9525">
+                  <a14:hiddenLine xmlns="" xmlns:a14="http://schemas.microsoft.com/office/drawing/2010/main" w="9525">
                     <a:solidFill>
                       <a:srgbClr val="000000"/>
                     </a:solidFill>
@@ -9393,7 +9398,7 @@
               </a:ln>
               <a:extLst>
                 <a:ext uri="{91240B29-F687-4f45-9708-019B960494DF}">
-                  <a14:hiddenLine xmlns:a14="http://schemas.microsoft.com/office/drawing/2010/main" xmlns="" w="9525">
+                  <a14:hiddenLine xmlns="" xmlns:a14="http://schemas.microsoft.com/office/drawing/2010/main" w="9525">
                     <a:solidFill>
                       <a:srgbClr val="000000"/>
                     </a:solidFill>
@@ -9455,7 +9460,7 @@
               </a:ln>
               <a:extLst>
                 <a:ext uri="{91240B29-F687-4f45-9708-019B960494DF}">
-                  <a14:hiddenLine xmlns:a14="http://schemas.microsoft.com/office/drawing/2010/main" xmlns="" w="9525">
+                  <a14:hiddenLine xmlns="" xmlns:a14="http://schemas.microsoft.com/office/drawing/2010/main" w="9525">
                     <a:solidFill>
                       <a:srgbClr val="000000"/>
                     </a:solidFill>
@@ -9517,7 +9522,7 @@
               </a:ln>
               <a:extLst>
                 <a:ext uri="{91240B29-F687-4f45-9708-019B960494DF}">
-                  <a14:hiddenLine xmlns:a14="http://schemas.microsoft.com/office/drawing/2010/main" xmlns="" w="9525">
+                  <a14:hiddenLine xmlns="" xmlns:a14="http://schemas.microsoft.com/office/drawing/2010/main" w="9525">
                     <a:solidFill>
                       <a:srgbClr val="000000"/>
                     </a:solidFill>
@@ -9607,7 +9612,7 @@
               </a:ln>
               <a:extLst>
                 <a:ext uri="{91240B29-F687-4f45-9708-019B960494DF}">
-                  <a14:hiddenLine xmlns:a14="http://schemas.microsoft.com/office/drawing/2010/main" xmlns="" w="9525">
+                  <a14:hiddenLine xmlns="" xmlns:a14="http://schemas.microsoft.com/office/drawing/2010/main" w="9525">
                     <a:solidFill>
                       <a:srgbClr val="000000"/>
                     </a:solidFill>
@@ -9697,7 +9702,7 @@
               </a:ln>
               <a:extLst>
                 <a:ext uri="{91240B29-F687-4f45-9708-019B960494DF}">
-                  <a14:hiddenLine xmlns:a14="http://schemas.microsoft.com/office/drawing/2010/main" xmlns="" w="9525">
+                  <a14:hiddenLine xmlns="" xmlns:a14="http://schemas.microsoft.com/office/drawing/2010/main" w="9525">
                     <a:solidFill>
                       <a:srgbClr val="000000"/>
                     </a:solidFill>
@@ -9759,7 +9764,7 @@
               </a:ln>
               <a:extLst>
                 <a:ext uri="{91240B29-F687-4f45-9708-019B960494DF}">
-                  <a14:hiddenLine xmlns:a14="http://schemas.microsoft.com/office/drawing/2010/main" xmlns="" w="9525">
+                  <a14:hiddenLine xmlns="" xmlns:a14="http://schemas.microsoft.com/office/drawing/2010/main" w="9525">
                     <a:solidFill>
                       <a:srgbClr val="000000"/>
                     </a:solidFill>
@@ -9869,7 +9874,7 @@
               </a:ln>
               <a:extLst>
                 <a:ext uri="{91240B29-F687-4f45-9708-019B960494DF}">
-                  <a14:hiddenLine xmlns:a14="http://schemas.microsoft.com/office/drawing/2010/main" xmlns="" w="9525">
+                  <a14:hiddenLine xmlns="" xmlns:a14="http://schemas.microsoft.com/office/drawing/2010/main" w="9525">
                     <a:solidFill>
                       <a:srgbClr val="000000"/>
                     </a:solidFill>
@@ -9953,7 +9958,7 @@
               </a:ln>
               <a:extLst>
                 <a:ext uri="{91240B29-F687-4f45-9708-019B960494DF}">
-                  <a14:hiddenLine xmlns:a14="http://schemas.microsoft.com/office/drawing/2010/main" xmlns="" w="9525">
+                  <a14:hiddenLine xmlns="" xmlns:a14="http://schemas.microsoft.com/office/drawing/2010/main" w="9525">
                     <a:solidFill>
                       <a:srgbClr val="000000"/>
                     </a:solidFill>
@@ -10015,7 +10020,7 @@
               </a:ln>
               <a:extLst>
                 <a:ext uri="{91240B29-F687-4f45-9708-019B960494DF}">
-                  <a14:hiddenLine xmlns:a14="http://schemas.microsoft.com/office/drawing/2010/main" xmlns="" w="9525">
+                  <a14:hiddenLine xmlns="" xmlns:a14="http://schemas.microsoft.com/office/drawing/2010/main" w="9525">
                     <a:solidFill>
                       <a:srgbClr val="000000"/>
                     </a:solidFill>
@@ -10077,7 +10082,7 @@
               </a:ln>
               <a:extLst>
                 <a:ext uri="{91240B29-F687-4f45-9708-019B960494DF}">
-                  <a14:hiddenLine xmlns:a14="http://schemas.microsoft.com/office/drawing/2010/main" xmlns="" w="9525">
+                  <a14:hiddenLine xmlns="" xmlns:a14="http://schemas.microsoft.com/office/drawing/2010/main" w="9525">
                     <a:solidFill>
                       <a:srgbClr val="000000"/>
                     </a:solidFill>
@@ -10167,7 +10172,7 @@
               </a:ln>
               <a:extLst>
                 <a:ext uri="{91240B29-F687-4f45-9708-019B960494DF}">
-                  <a14:hiddenLine xmlns:a14="http://schemas.microsoft.com/office/drawing/2010/main" xmlns="" w="9525">
+                  <a14:hiddenLine xmlns="" xmlns:a14="http://schemas.microsoft.com/office/drawing/2010/main" w="9525">
                     <a:solidFill>
                       <a:srgbClr val="000000"/>
                     </a:solidFill>
@@ -10201,7 +10206,7 @@
               </a:ln>
               <a:extLst>
                 <a:ext uri="{91240B29-F687-4f45-9708-019B960494DF}">
-                  <a14:hiddenLine xmlns:a14="http://schemas.microsoft.com/office/drawing/2010/main" xmlns="" w="9525">
+                  <a14:hiddenLine xmlns="" xmlns:a14="http://schemas.microsoft.com/office/drawing/2010/main" w="9525">
                     <a:solidFill>
                       <a:srgbClr val="000000"/>
                     </a:solidFill>
@@ -10266,7 +10271,7 @@
               </a:ln>
               <a:extLst>
                 <a:ext uri="{91240B29-F687-4f45-9708-019B960494DF}">
-                  <a14:hiddenLine xmlns:a14="http://schemas.microsoft.com/office/drawing/2010/main" xmlns="" w="9525">
+                  <a14:hiddenLine xmlns="" xmlns:a14="http://schemas.microsoft.com/office/drawing/2010/main" w="9525">
                     <a:solidFill>
                       <a:srgbClr val="000000"/>
                     </a:solidFill>
@@ -10356,7 +10361,7 @@
               </a:ln>
               <a:extLst>
                 <a:ext uri="{91240B29-F687-4f45-9708-019B960494DF}">
-                  <a14:hiddenLine xmlns:a14="http://schemas.microsoft.com/office/drawing/2010/main" xmlns="" w="9525">
+                  <a14:hiddenLine xmlns="" xmlns:a14="http://schemas.microsoft.com/office/drawing/2010/main" w="9525">
                     <a:solidFill>
                       <a:srgbClr val="000000"/>
                     </a:solidFill>
@@ -10418,7 +10423,7 @@
               </a:ln>
               <a:extLst>
                 <a:ext uri="{91240B29-F687-4f45-9708-019B960494DF}">
-                  <a14:hiddenLine xmlns:a14="http://schemas.microsoft.com/office/drawing/2010/main" xmlns="" w="9525">
+                  <a14:hiddenLine xmlns="" xmlns:a14="http://schemas.microsoft.com/office/drawing/2010/main" w="9525">
                     <a:solidFill>
                       <a:srgbClr val="000000"/>
                     </a:solidFill>
@@ -10508,7 +10513,7 @@
               </a:ln>
               <a:extLst>
                 <a:ext uri="{91240B29-F687-4f45-9708-019B960494DF}">
-                  <a14:hiddenLine xmlns:a14="http://schemas.microsoft.com/office/drawing/2010/main" xmlns="" w="9525">
+                  <a14:hiddenLine xmlns="" xmlns:a14="http://schemas.microsoft.com/office/drawing/2010/main" w="9525">
                     <a:solidFill>
                       <a:srgbClr val="000000"/>
                     </a:solidFill>
@@ -10573,7 +10578,7 @@
               </a:ln>
               <a:extLst>
                 <a:ext uri="{91240B29-F687-4f45-9708-019B960494DF}">
-                  <a14:hiddenLine xmlns:a14="http://schemas.microsoft.com/office/drawing/2010/main" xmlns="" w="9525">
+                  <a14:hiddenLine xmlns="" xmlns:a14="http://schemas.microsoft.com/office/drawing/2010/main" w="9525">
                     <a:solidFill>
                       <a:srgbClr val="000000"/>
                     </a:solidFill>
@@ -10635,7 +10640,7 @@
               </a:ln>
               <a:extLst>
                 <a:ext uri="{91240B29-F687-4f45-9708-019B960494DF}">
-                  <a14:hiddenLine xmlns:a14="http://schemas.microsoft.com/office/drawing/2010/main" xmlns="" w="9525">
+                  <a14:hiddenLine xmlns="" xmlns:a14="http://schemas.microsoft.com/office/drawing/2010/main" w="9525">
                     <a:solidFill>
                       <a:srgbClr val="000000"/>
                     </a:solidFill>
@@ -10725,7 +10730,7 @@
               </a:ln>
               <a:extLst>
                 <a:ext uri="{91240B29-F687-4f45-9708-019B960494DF}">
-                  <a14:hiddenLine xmlns:a14="http://schemas.microsoft.com/office/drawing/2010/main" xmlns="" w="9525">
+                  <a14:hiddenLine xmlns="" xmlns:a14="http://schemas.microsoft.com/office/drawing/2010/main" w="9525">
                     <a:solidFill>
                       <a:srgbClr val="000000"/>
                     </a:solidFill>
@@ -10815,7 +10820,7 @@
               </a:ln>
               <a:extLst>
                 <a:ext uri="{91240B29-F687-4f45-9708-019B960494DF}">
-                  <a14:hiddenLine xmlns:a14="http://schemas.microsoft.com/office/drawing/2010/main" xmlns="" w="9525">
+                  <a14:hiddenLine xmlns="" xmlns:a14="http://schemas.microsoft.com/office/drawing/2010/main" w="9525">
                     <a:solidFill>
                       <a:srgbClr val="000000"/>
                     </a:solidFill>
@@ -10880,7 +10885,7 @@
               </a:ln>
               <a:extLst>
                 <a:ext uri="{91240B29-F687-4f45-9708-019B960494DF}">
-                  <a14:hiddenLine xmlns:a14="http://schemas.microsoft.com/office/drawing/2010/main" xmlns="" w="9525">
+                  <a14:hiddenLine xmlns="" xmlns:a14="http://schemas.microsoft.com/office/drawing/2010/main" w="9525">
                     <a:solidFill>
                       <a:srgbClr val="000000"/>
                     </a:solidFill>
@@ -11000,7 +11005,7 @@
               </a:ln>
               <a:extLst>
                 <a:ext uri="{91240B29-F687-4f45-9708-019B960494DF}">
-                  <a14:hiddenLine xmlns:a14="http://schemas.microsoft.com/office/drawing/2010/main" xmlns="" w="9525">
+                  <a14:hiddenLine xmlns="" xmlns:a14="http://schemas.microsoft.com/office/drawing/2010/main" w="9525">
                     <a:solidFill>
                       <a:srgbClr val="000000"/>
                     </a:solidFill>
@@ -11098,7 +11103,7 @@
               </a:ln>
               <a:extLst>
                 <a:ext uri="{91240B29-F687-4f45-9708-019B960494DF}">
-                  <a14:hiddenLine xmlns:a14="http://schemas.microsoft.com/office/drawing/2010/main" xmlns="" w="9525">
+                  <a14:hiddenLine xmlns="" xmlns:a14="http://schemas.microsoft.com/office/drawing/2010/main" w="9525">
                     <a:solidFill>
                       <a:srgbClr val="000000"/>
                     </a:solidFill>
@@ -11213,7 +11218,7 @@
               </a:ln>
               <a:extLst>
                 <a:ext uri="{91240B29-F687-4f45-9708-019B960494DF}">
-                  <a14:hiddenLine xmlns:a14="http://schemas.microsoft.com/office/drawing/2010/main" xmlns="" w="9525">
+                  <a14:hiddenLine xmlns="" xmlns:a14="http://schemas.microsoft.com/office/drawing/2010/main" w="9525">
                     <a:solidFill>
                       <a:srgbClr val="000000"/>
                     </a:solidFill>
@@ -11303,7 +11308,7 @@
               </a:ln>
               <a:extLst>
                 <a:ext uri="{91240B29-F687-4f45-9708-019B960494DF}">
-                  <a14:hiddenLine xmlns:a14="http://schemas.microsoft.com/office/drawing/2010/main" xmlns="" w="9525">
+                  <a14:hiddenLine xmlns="" xmlns:a14="http://schemas.microsoft.com/office/drawing/2010/main" w="9525">
                     <a:solidFill>
                       <a:srgbClr val="000000"/>
                     </a:solidFill>
@@ -11368,7 +11373,7 @@
               </a:ln>
               <a:extLst>
                 <a:ext uri="{91240B29-F687-4f45-9708-019B960494DF}">
-                  <a14:hiddenLine xmlns:a14="http://schemas.microsoft.com/office/drawing/2010/main" xmlns="" w="9525">
+                  <a14:hiddenLine xmlns="" xmlns:a14="http://schemas.microsoft.com/office/drawing/2010/main" w="9525">
                     <a:solidFill>
                       <a:srgbClr val="000000"/>
                     </a:solidFill>
@@ -11458,7 +11463,7 @@
               </a:ln>
               <a:extLst>
                 <a:ext uri="{91240B29-F687-4f45-9708-019B960494DF}">
-                  <a14:hiddenLine xmlns:a14="http://schemas.microsoft.com/office/drawing/2010/main" xmlns="" w="9525">
+                  <a14:hiddenLine xmlns="" xmlns:a14="http://schemas.microsoft.com/office/drawing/2010/main" w="9525">
                     <a:solidFill>
                       <a:srgbClr val="000000"/>
                     </a:solidFill>
@@ -11526,7 +11531,7 @@
               </a:ln>
               <a:extLst>
                 <a:ext uri="{91240B29-F687-4f45-9708-019B960494DF}">
-                  <a14:hiddenLine xmlns:a14="http://schemas.microsoft.com/office/drawing/2010/main" xmlns="" w="9525">
+                  <a14:hiddenLine xmlns="" xmlns:a14="http://schemas.microsoft.com/office/drawing/2010/main" w="9525">
                     <a:solidFill>
                       <a:srgbClr val="000000"/>
                     </a:solidFill>
@@ -11616,7 +11621,7 @@
               </a:ln>
               <a:extLst>
                 <a:ext uri="{91240B29-F687-4f45-9708-019B960494DF}">
-                  <a14:hiddenLine xmlns:a14="http://schemas.microsoft.com/office/drawing/2010/main" xmlns="" w="9525">
+                  <a14:hiddenLine xmlns="" xmlns:a14="http://schemas.microsoft.com/office/drawing/2010/main" w="9525">
                     <a:solidFill>
                       <a:srgbClr val="000000"/>
                     </a:solidFill>
@@ -11684,7 +11689,7 @@
               </a:ln>
               <a:extLst>
                 <a:ext uri="{91240B29-F687-4f45-9708-019B960494DF}">
-                  <a14:hiddenLine xmlns:a14="http://schemas.microsoft.com/office/drawing/2010/main" xmlns="" w="9525">
+                  <a14:hiddenLine xmlns="" xmlns:a14="http://schemas.microsoft.com/office/drawing/2010/main" w="9525">
                     <a:solidFill>
                       <a:srgbClr val="000000"/>
                     </a:solidFill>
@@ -11774,7 +11779,7 @@
               </a:ln>
               <a:extLst>
                 <a:ext uri="{91240B29-F687-4f45-9708-019B960494DF}">
-                  <a14:hiddenLine xmlns:a14="http://schemas.microsoft.com/office/drawing/2010/main" xmlns="" w="9525">
+                  <a14:hiddenLine xmlns="" xmlns:a14="http://schemas.microsoft.com/office/drawing/2010/main" w="9525">
                     <a:solidFill>
                       <a:srgbClr val="000000"/>
                     </a:solidFill>
@@ -11808,7 +11813,7 @@
               </a:ln>
               <a:extLst>
                 <a:ext uri="{91240B29-F687-4f45-9708-019B960494DF}">
-                  <a14:hiddenLine xmlns:a14="http://schemas.microsoft.com/office/drawing/2010/main" xmlns="" w="9525">
+                  <a14:hiddenLine xmlns="" xmlns:a14="http://schemas.microsoft.com/office/drawing/2010/main" w="9525">
                     <a:solidFill>
                       <a:srgbClr val="000000"/>
                     </a:solidFill>
@@ -11949,7 +11954,7 @@
             <a:fld id="{48A87A34-81AB-432B-8DAE-1953F412C126}" type="datetimeFigureOut">
               <a:rPr lang="en-US" dirty="0"/>
               <a:pPr/>
-              <a:t>10/11/2022</a:t>
+              <a:t>10/12/2022</a:t>
             </a:fld>
             <a:endParaRPr lang="en-US" dirty="0"/>
           </a:p>
@@ -12515,7 +12520,7 @@
         <p:spPr/>
         <p:txBody>
           <a:bodyPr>
-            <a:normAutofit fontScale="85000" lnSpcReduction="10000"/>
+            <a:normAutofit fontScale="85000" lnSpcReduction="20000"/>
           </a:bodyPr>
           <a:lstStyle/>
           <a:p>
@@ -12994,10 +12999,150 @@
         </p:nvSpPr>
         <p:spPr/>
         <p:txBody>
-          <a:bodyPr/>
+          <a:bodyPr>
+            <a:normAutofit fontScale="92500"/>
+          </a:bodyPr>
           <a:lstStyle/>
           <a:p>
-            <a:endParaRPr lang="pl-PL"/>
+            <a:r>
+              <a:rPr lang="pl-PL" dirty="0" smtClean="0">
+                <a:effectLst/>
+              </a:rPr>
+              <a:t>PHP zachodzi w interakcje z serwerem witryny. Kiedy wpisujesz URL do swojej przeglądarki internetowej</a:t>
+            </a:r>
+            <a:r>
+              <a:rPr lang="en-US" dirty="0" smtClean="0">
+                <a:effectLst/>
+              </a:rPr>
+              <a:t>, </a:t>
+            </a:r>
+            <a:r>
+              <a:rPr lang="pl-PL" dirty="0" smtClean="0">
+                <a:effectLst/>
+              </a:rPr>
+              <a:t>mówisz serwerowi pod tym adresem URL, aby wysłał ci plik HTML</a:t>
+            </a:r>
+            <a:r>
+              <a:rPr lang="en-US" dirty="0" smtClean="0">
+                <a:effectLst/>
+              </a:rPr>
+              <a:t>. </a:t>
+            </a:r>
+            <a:r>
+              <a:rPr lang="pl-PL" dirty="0" smtClean="0">
+                <a:effectLst/>
+              </a:rPr>
+              <a:t>W odpowiedzi wysyłany jest żądany przez przeglądarkę plik, po czym jest on odczytywany i wyświetlany</a:t>
+            </a:r>
+            <a:r>
+              <a:rPr lang="en-US" dirty="0" smtClean="0">
+                <a:effectLst/>
+              </a:rPr>
+              <a:t>. </a:t>
+            </a:r>
+            <a:r>
+              <a:rPr lang="pl-PL" dirty="0" smtClean="0">
+                <a:effectLst/>
+              </a:rPr>
+              <a:t>Dodatkowa po naciśnięciu przycisku na stronie internetowej, który przesyła formularz</a:t>
+            </a:r>
+            <a:r>
+              <a:rPr lang="en-US" dirty="0" smtClean="0">
+                <a:effectLst/>
+              </a:rPr>
+              <a:t>,</a:t>
+            </a:r>
+            <a:r>
+              <a:rPr lang="pl-PL" dirty="0" smtClean="0">
+                <a:effectLst/>
+              </a:rPr>
+              <a:t> serwer WWW przetwarza plik</a:t>
+            </a:r>
+            <a:r>
+              <a:rPr lang="en-US" dirty="0" smtClean="0">
+                <a:effectLst/>
+              </a:rPr>
+              <a:t>. </a:t>
+            </a:r>
+            <a:r>
+              <a:rPr lang="pl-PL" dirty="0" smtClean="0">
+                <a:effectLst/>
+              </a:rPr>
+              <a:t>Jeśli PHP jest zamontowany</a:t>
+            </a:r>
+            <a:r>
+              <a:rPr lang="pl-PL" dirty="0">
+                <a:effectLst/>
+              </a:rPr>
+              <a:t> </a:t>
+            </a:r>
+            <a:r>
+              <a:rPr lang="pl-PL" dirty="0" smtClean="0">
+                <a:effectLst/>
+              </a:rPr>
+              <a:t>to procedura jest dokładnie taka sama. Przesyłasz plik</a:t>
+            </a:r>
+            <a:r>
+              <a:rPr lang="en-US" dirty="0" smtClean="0">
+                <a:effectLst/>
+              </a:rPr>
+              <a:t>, </a:t>
+            </a:r>
+            <a:r>
+              <a:rPr lang="pl-PL" dirty="0" smtClean="0">
+                <a:effectLst/>
+              </a:rPr>
+              <a:t>a serwer WWW</a:t>
+            </a:r>
+            <a:r>
+              <a:rPr lang="en-US" dirty="0" smtClean="0">
+                <a:effectLst/>
+              </a:rPr>
+              <a:t>, </a:t>
+            </a:r>
+            <a:r>
+              <a:rPr lang="pl-PL" dirty="0" smtClean="0">
+                <a:effectLst/>
+              </a:rPr>
+              <a:t>na którym działa PHP</a:t>
+            </a:r>
+            <a:r>
+              <a:rPr lang="en-US" dirty="0" smtClean="0">
+                <a:effectLst/>
+              </a:rPr>
+              <a:t>, </a:t>
+            </a:r>
+            <a:r>
+              <a:rPr lang="pl-PL" dirty="0" smtClean="0">
+                <a:effectLst/>
+              </a:rPr>
+              <a:t>odpowiada plikiem HTML</a:t>
+            </a:r>
+            <a:r>
+              <a:rPr lang="en-US" dirty="0" smtClean="0">
+                <a:effectLst/>
+              </a:rPr>
+              <a:t>, </a:t>
+            </a:r>
+            <a:r>
+              <a:rPr lang="pl-PL" dirty="0" smtClean="0">
+                <a:effectLst/>
+              </a:rPr>
+              <a:t>to wszystko dzieje się dzięki PHP</a:t>
+            </a:r>
+            <a:r>
+              <a:rPr lang="en-US" dirty="0" smtClean="0">
+                <a:effectLst/>
+              </a:rPr>
+              <a:t>.</a:t>
+            </a:r>
+            <a:r>
+              <a:rPr lang="en-US" dirty="0">
+                <a:effectLst/>
+              </a:rPr>
+              <a:t> </a:t>
+            </a:r>
+            <a:endParaRPr lang="pl-PL" dirty="0"/>
           </a:p>
         </p:txBody>
       </p:sp>
@@ -13069,7 +13214,15 @@
           <a:bodyPr/>
           <a:lstStyle/>
           <a:p>
-            <a:endParaRPr lang="pl-PL"/>
+            <a:r>
+              <a:rPr lang="pl-PL" dirty="0" smtClean="0"/>
+              <a:t>Na początku trzeba zainstalować PHP </a:t>
+            </a:r>
+            <a:r>
+              <a:rPr lang="pl-PL" smtClean="0"/>
+              <a:t>i MySQL. </a:t>
+            </a:r>
+            <a:endParaRPr lang="pl-PL" dirty="0"/>
           </a:p>
         </p:txBody>
       </p:sp>
